--- a/KARL Presentation_15mins_v2.pptx
+++ b/KARL Presentation_15mins_v2.pptx
@@ -26435,8 +26435,8 @@
           </a:p>
         </p:txBody>
       </p:sp>
-      <mc:AlternateContent xmlns:mc="http://schemas.openxmlformats.org/markup-compatibility/2006" xmlns:a14="http://schemas.microsoft.com/office/drawing/2010/main">
-        <mc:Choice Requires="a14">
+      <mc:AlternateContent xmlns:mc="http://schemas.openxmlformats.org/markup-compatibility/2006">
+        <mc:Choice xmlns:a14="http://schemas.microsoft.com/office/drawing/2010/main" Requires="a14">
           <p:sp>
             <p:nvSpPr>
               <p:cNvPr id="3" name="內容版面配置區 2"/>
@@ -26586,9 +26586,7 @@
                 <a:r>
                   <a:rPr lang="en-US" altLang="zh-HK" dirty="0">
                     <a:solidFill>
-                      <a:schemeClr val="accent4">
-                        <a:lumMod val="75000"/>
-                      </a:schemeClr>
+                      <a:srgbClr val="FFCC00"/>
                     </a:solidFill>
                     <a:latin typeface="Times New Roman" panose="02020603050405020304" pitchFamily="18" charset="0"/>
                     <a:cs typeface="Times New Roman" panose="02020603050405020304" pitchFamily="18" charset="0"/>
@@ -26600,7 +26598,24 @@
                     <a:latin typeface="Times New Roman" panose="02020603050405020304" pitchFamily="18" charset="0"/>
                     <a:cs typeface="Times New Roman" panose="02020603050405020304" pitchFamily="18" charset="0"/>
                   </a:rPr>
-                  <a:t>:	[10, 20)</a:t>
+                  <a:t>:</a:t>
+                </a:r>
+                <a:r>
+                  <a:rPr lang="en-US" altLang="zh-HK" dirty="0">
+                    <a:solidFill>
+                      <a:srgbClr val="FFFF66"/>
+                    </a:solidFill>
+                    <a:latin typeface="Times New Roman" panose="02020603050405020304" pitchFamily="18" charset="0"/>
+                    <a:cs typeface="Times New Roman" panose="02020603050405020304" pitchFamily="18" charset="0"/>
+                  </a:rPr>
+                  <a:t>:</a:t>
+                </a:r>
+                <a:r>
+                  <a:rPr lang="en-US" altLang="zh-HK" dirty="0">
+                    <a:latin typeface="Times New Roman" panose="02020603050405020304" pitchFamily="18" charset="0"/>
+                    <a:cs typeface="Times New Roman" panose="02020603050405020304" pitchFamily="18" charset="0"/>
+                  </a:rPr>
+                  <a:t>	[10, 20)</a:t>
                 </a:r>
               </a:p>
               <a:p>
@@ -26612,9 +26627,7 @@
                 <a:r>
                   <a:rPr lang="en-US" altLang="zh-HK" dirty="0">
                     <a:solidFill>
-                      <a:schemeClr val="accent2">
-                        <a:lumMod val="75000"/>
-                      </a:schemeClr>
+                      <a:srgbClr val="FF6600"/>
                     </a:solidFill>
                     <a:latin typeface="Times New Roman" panose="02020603050405020304" pitchFamily="18" charset="0"/>
                     <a:cs typeface="Times New Roman" panose="02020603050405020304" pitchFamily="18" charset="0"/>
@@ -26638,7 +26651,9 @@
                 <a:r>
                   <a:rPr lang="en-US" altLang="zh-HK" dirty="0">
                     <a:solidFill>
-                      <a:srgbClr val="FF7C80"/>
+                      <a:schemeClr val="accent2">
+                        <a:lumMod val="75000"/>
+                      </a:schemeClr>
                     </a:solidFill>
                     <a:latin typeface="Times New Roman" panose="02020603050405020304" pitchFamily="18" charset="0"/>
                     <a:cs typeface="Times New Roman" panose="02020603050405020304" pitchFamily="18" charset="0"/>
@@ -27039,7 +27054,7 @@
             </p:txBody>
           </p:sp>
         </mc:Choice>
-        <mc:Fallback xmlns="">
+        <mc:Fallback>
           <p:sp>
             <p:nvSpPr>
               <p:cNvPr id="3" name="內容版面配置區 2"/>
@@ -28043,13 +28058,13 @@
         </p:nvSpPr>
         <p:spPr>
           <a:xfrm>
-            <a:off x="8066209" y="4246384"/>
-            <a:ext cx="3069151" cy="1372095"/>
+            <a:off x="8277543" y="4205841"/>
+            <a:ext cx="3500600" cy="1357668"/>
           </a:xfrm>
           <a:prstGeom prst="cloudCallout">
             <a:avLst>
-              <a:gd name="adj1" fmla="val -111603"/>
-              <a:gd name="adj2" fmla="val 52013"/>
+              <a:gd name="adj1" fmla="val -103934"/>
+              <a:gd name="adj2" fmla="val 52631"/>
             </a:avLst>
           </a:prstGeom>
           <a:noFill/>
@@ -28098,8 +28113,8 @@
         </p:nvSpPr>
         <p:spPr>
           <a:xfrm>
-            <a:off x="8381078" y="4463184"/>
-            <a:ext cx="2581561" cy="830997"/>
+            <a:off x="8618480" y="4453430"/>
+            <a:ext cx="2679719" cy="830997"/>
           </a:xfrm>
           <a:prstGeom prst="rect">
             <a:avLst/>
